--- a/presentation/Classifying_Federal_Register_Documents.pptx
+++ b/presentation/Classifying_Federal_Register_Documents.pptx
@@ -21,7 +21,8 @@
     <p:sldId id="269" r:id="rId15"/>
     <p:sldId id="270" r:id="rId16"/>
     <p:sldId id="271" r:id="rId17"/>
-    <p:sldId id="273" r:id="rId18"/>
+    <p:sldId id="274" r:id="rId18"/>
+    <p:sldId id="273" r:id="rId19"/>
   </p:sldIdLst>
   <p:sldSz cx="12192000" cy="6858000"/>
   <p:notesSz cx="6858000" cy="9144000"/>
@@ -120,6 +121,11 @@
       </a:defRPr>
     </a:lvl9pPr>
   </p:defaultTextStyle>
+  <p:extLst>
+    <p:ext uri="{EFAFB233-063F-42B5-8137-9DF3F51BA10A}">
+      <p15:sldGuideLst xmlns:p15="http://schemas.microsoft.com/office/powerpoint/2012/main"/>
+    </p:ext>
+  </p:extLst>
 </p:presentation>
 </file>
 
@@ -4087,7 +4093,7 @@
             </a:pPr>
             <a:r>
               <a:rPr lang="en-US" dirty="0"/>
-              <a:t>Train-test split (116,221 vs. 49,810)</a:t>
+              <a:t>Train-test split: 70%-30% (116,221 vs. 49,810)</a:t>
             </a:r>
           </a:p>
         </p:txBody>
@@ -5454,6 +5460,183 @@
       </p:grpSpPr>
       <p:sp>
         <p:nvSpPr>
+          <p:cNvPr id="2" name="Title 1">
+            <a:extLst>
+              <a:ext uri="{FF2B5EF4-FFF2-40B4-BE49-F238E27FC236}">
+                <a16:creationId xmlns:a16="http://schemas.microsoft.com/office/drawing/2014/main" id="{451865B4-9E12-4A80-BEDD-CB528CABABF5}"/>
+              </a:ext>
+            </a:extLst>
+          </p:cNvPr>
+          <p:cNvSpPr>
+            <a:spLocks noGrp="1"/>
+          </p:cNvSpPr>
+          <p:nvPr>
+            <p:ph type="title"/>
+          </p:nvPr>
+        </p:nvSpPr>
+        <p:spPr/>
+        <p:txBody>
+          <a:bodyPr>
+            <a:normAutofit/>
+          </a:bodyPr>
+          <a:lstStyle/>
+          <a:p>
+            <a:r>
+              <a:rPr lang="en-US" sz="3200" dirty="0"/>
+              <a:t>Improvements</a:t>
+            </a:r>
+          </a:p>
+        </p:txBody>
+      </p:sp>
+      <p:sp>
+        <p:nvSpPr>
+          <p:cNvPr id="3" name="Content Placeholder 2">
+            <a:extLst>
+              <a:ext uri="{FF2B5EF4-FFF2-40B4-BE49-F238E27FC236}">
+                <a16:creationId xmlns:a16="http://schemas.microsoft.com/office/drawing/2014/main" id="{8F1306DE-55F0-436F-9228-CAE2BBF95BF2}"/>
+              </a:ext>
+            </a:extLst>
+          </p:cNvPr>
+          <p:cNvSpPr>
+            <a:spLocks noGrp="1"/>
+          </p:cNvSpPr>
+          <p:nvPr>
+            <p:ph idx="1"/>
+          </p:nvPr>
+        </p:nvSpPr>
+        <p:spPr>
+          <a:xfrm>
+            <a:off x="1420500" y="1845734"/>
+            <a:ext cx="9323699" cy="4023360"/>
+          </a:xfrm>
+        </p:spPr>
+        <p:txBody>
+          <a:bodyPr>
+            <a:normAutofit/>
+          </a:bodyPr>
+          <a:lstStyle/>
+          <a:p>
+            <a:pPr marL="0" indent="-457200">
+              <a:lnSpc>
+                <a:spcPct val="114000"/>
+              </a:lnSpc>
+              <a:buClrTx/>
+              <a:buFont typeface="Arial" panose="020B0604020202020204" pitchFamily="34" charset="0"/>
+              <a:buChar char="•"/>
+            </a:pPr>
+            <a:r>
+              <a:rPr lang="en-US" dirty="0"/>
+              <a:t>Consider different hyper-parameters for AdaBoost (1000x too high?)</a:t>
+            </a:r>
+          </a:p>
+          <a:p>
+            <a:pPr marL="0" indent="-457200">
+              <a:lnSpc>
+                <a:spcPct val="114000"/>
+              </a:lnSpc>
+              <a:buClrTx/>
+              <a:buFont typeface="Arial" panose="020B0604020202020204" pitchFamily="34" charset="0"/>
+              <a:buChar char="•"/>
+            </a:pPr>
+            <a:r>
+              <a:rPr lang="en-US" dirty="0"/>
+              <a:t>Integrate text features with categorical/numeric features</a:t>
+            </a:r>
+          </a:p>
+          <a:p>
+            <a:pPr marL="0" indent="-457200">
+              <a:lnSpc>
+                <a:spcPct val="114000"/>
+              </a:lnSpc>
+              <a:buClrTx/>
+              <a:buFont typeface="Arial" panose="020B0604020202020204" pitchFamily="34" charset="0"/>
+              <a:buChar char="•"/>
+            </a:pPr>
+            <a:r>
+              <a:rPr lang="en-US" dirty="0"/>
+              <a:t>Analyze full text of documents </a:t>
+            </a:r>
+            <a:r>
+              <a:rPr lang="en-US" dirty="0">
+                <a:sym typeface="Wingdings" panose="05000000000000000000" pitchFamily="2" charset="2"/>
+              </a:rPr>
+              <a:t> </a:t>
+            </a:r>
+            <a:r>
+              <a:rPr lang="en-US" dirty="0" err="1">
+                <a:sym typeface="Wingdings" panose="05000000000000000000" pitchFamily="2" charset="2"/>
+              </a:rPr>
+              <a:t>tf-idf</a:t>
+            </a:r>
+            <a:r>
+              <a:rPr lang="en-US" dirty="0">
+                <a:sym typeface="Wingdings" panose="05000000000000000000" pitchFamily="2" charset="2"/>
+              </a:rPr>
+              <a:t> vectorizer</a:t>
+            </a:r>
+          </a:p>
+          <a:p>
+            <a:pPr marL="0" indent="-457200">
+              <a:lnSpc>
+                <a:spcPct val="114000"/>
+              </a:lnSpc>
+              <a:buClrTx/>
+              <a:buFont typeface="Arial" panose="020B0604020202020204" pitchFamily="34" charset="0"/>
+              <a:buChar char="•"/>
+            </a:pPr>
+            <a:r>
+              <a:rPr lang="en-US" dirty="0"/>
+              <a:t>Clean up my code…</a:t>
+            </a:r>
+          </a:p>
+          <a:p>
+            <a:pPr marL="0" indent="-457200">
+              <a:lnSpc>
+                <a:spcPct val="114000"/>
+              </a:lnSpc>
+              <a:buClrTx/>
+              <a:buFont typeface="Arial" panose="020B0604020202020204" pitchFamily="34" charset="0"/>
+              <a:buChar char="•"/>
+            </a:pPr>
+            <a:r>
+              <a:rPr lang="en-US" dirty="0"/>
+              <a:t>Any other suggestions?</a:t>
+            </a:r>
+          </a:p>
+        </p:txBody>
+      </p:sp>
+    </p:spTree>
+    <p:extLst>
+      <p:ext uri="{BB962C8B-B14F-4D97-AF65-F5344CB8AC3E}">
+        <p14:creationId xmlns:p14="http://schemas.microsoft.com/office/powerpoint/2010/main" val="348827283"/>
+      </p:ext>
+    </p:extLst>
+  </p:cSld>
+  <p:clrMapOvr>
+    <a:masterClrMapping/>
+  </p:clrMapOvr>
+</p:sld>
+</file>
+
+<file path=ppt/slides/slide18.xml><?xml version="1.0" encoding="utf-8"?>
+<p:sld xmlns:a="http://schemas.openxmlformats.org/drawingml/2006/main" xmlns:r="http://schemas.openxmlformats.org/officeDocument/2006/relationships" xmlns:p="http://schemas.openxmlformats.org/presentationml/2006/main">
+  <p:cSld>
+    <p:spTree>
+      <p:nvGrpSpPr>
+        <p:cNvPr id="1" name=""/>
+        <p:cNvGrpSpPr/>
+        <p:nvPr/>
+      </p:nvGrpSpPr>
+      <p:grpSpPr>
+        <a:xfrm>
+          <a:off x="0" y="0"/>
+          <a:ext cx="0" cy="0"/>
+          <a:chOff x="0" y="0"/>
+          <a:chExt cx="0" cy="0"/>
+        </a:xfrm>
+      </p:grpSpPr>
+      <p:sp>
+        <p:nvSpPr>
           <p:cNvPr id="2" name="TextBox 1">
             <a:extLst>
               <a:ext uri="{FF2B5EF4-FFF2-40B4-BE49-F238E27FC236}">
@@ -5862,7 +6045,7 @@
             </a:pPr>
             <a:r>
               <a:rPr lang="en-US" dirty="0"/>
-              <a:t>201, 591 total documents</a:t>
+              <a:t>201,591 total documents</a:t>
             </a:r>
           </a:p>
           <a:p>
